--- a/Project Proposal 2.pptx
+++ b/Project Proposal 2.pptx
@@ -107,6 +107,11 @@
       </a:defRPr>
     </a:lvl9pPr>
   </p:defaultTextStyle>
+  <p:extLst>
+    <p:ext uri="{EFAFB233-063F-42B5-8137-9DF3F51BA10A}">
+      <p15:sldGuideLst xmlns:p15="http://schemas.microsoft.com/office/powerpoint/2012/main"/>
+    </p:ext>
+  </p:extLst>
 </p:presentation>
 </file>
 
@@ -257,7 +262,7 @@
           <a:p>
             <a:fld id="{211EAC0C-8E4E-1D4F-B66A-34559DB4BE7B}" type="datetimeFigureOut">
               <a:rPr lang="en-US" smtClean="0"/>
-              <a:t>11/26/19</a:t>
+              <a:t>12/18/19</a:t>
             </a:fld>
             <a:endParaRPr lang="en-US"/>
           </a:p>
@@ -455,7 +460,7 @@
           <a:p>
             <a:fld id="{211EAC0C-8E4E-1D4F-B66A-34559DB4BE7B}" type="datetimeFigureOut">
               <a:rPr lang="en-US" smtClean="0"/>
-              <a:t>11/26/19</a:t>
+              <a:t>12/18/19</a:t>
             </a:fld>
             <a:endParaRPr lang="en-US"/>
           </a:p>
@@ -663,7 +668,7 @@
           <a:p>
             <a:fld id="{211EAC0C-8E4E-1D4F-B66A-34559DB4BE7B}" type="datetimeFigureOut">
               <a:rPr lang="en-US" smtClean="0"/>
-              <a:t>11/26/19</a:t>
+              <a:t>12/18/19</a:t>
             </a:fld>
             <a:endParaRPr lang="en-US"/>
           </a:p>
@@ -861,7 +866,7 @@
           <a:p>
             <a:fld id="{211EAC0C-8E4E-1D4F-B66A-34559DB4BE7B}" type="datetimeFigureOut">
               <a:rPr lang="en-US" smtClean="0"/>
-              <a:t>11/26/19</a:t>
+              <a:t>12/18/19</a:t>
             </a:fld>
             <a:endParaRPr lang="en-US"/>
           </a:p>
@@ -1136,7 +1141,7 @@
           <a:p>
             <a:fld id="{211EAC0C-8E4E-1D4F-B66A-34559DB4BE7B}" type="datetimeFigureOut">
               <a:rPr lang="en-US" smtClean="0"/>
-              <a:t>11/26/19</a:t>
+              <a:t>12/18/19</a:t>
             </a:fld>
             <a:endParaRPr lang="en-US"/>
           </a:p>
@@ -1401,7 +1406,7 @@
           <a:p>
             <a:fld id="{211EAC0C-8E4E-1D4F-B66A-34559DB4BE7B}" type="datetimeFigureOut">
               <a:rPr lang="en-US" smtClean="0"/>
-              <a:t>11/26/19</a:t>
+              <a:t>12/18/19</a:t>
             </a:fld>
             <a:endParaRPr lang="en-US"/>
           </a:p>
@@ -1813,7 +1818,7 @@
           <a:p>
             <a:fld id="{211EAC0C-8E4E-1D4F-B66A-34559DB4BE7B}" type="datetimeFigureOut">
               <a:rPr lang="en-US" smtClean="0"/>
-              <a:t>11/26/19</a:t>
+              <a:t>12/18/19</a:t>
             </a:fld>
             <a:endParaRPr lang="en-US"/>
           </a:p>
@@ -1954,7 +1959,7 @@
           <a:p>
             <a:fld id="{211EAC0C-8E4E-1D4F-B66A-34559DB4BE7B}" type="datetimeFigureOut">
               <a:rPr lang="en-US" smtClean="0"/>
-              <a:t>11/26/19</a:t>
+              <a:t>12/18/19</a:t>
             </a:fld>
             <a:endParaRPr lang="en-US"/>
           </a:p>
@@ -2067,7 +2072,7 @@
           <a:p>
             <a:fld id="{211EAC0C-8E4E-1D4F-B66A-34559DB4BE7B}" type="datetimeFigureOut">
               <a:rPr lang="en-US" smtClean="0"/>
-              <a:t>11/26/19</a:t>
+              <a:t>12/18/19</a:t>
             </a:fld>
             <a:endParaRPr lang="en-US"/>
           </a:p>
@@ -2378,7 +2383,7 @@
           <a:p>
             <a:fld id="{211EAC0C-8E4E-1D4F-B66A-34559DB4BE7B}" type="datetimeFigureOut">
               <a:rPr lang="en-US" smtClean="0"/>
-              <a:t>11/26/19</a:t>
+              <a:t>12/18/19</a:t>
             </a:fld>
             <a:endParaRPr lang="en-US"/>
           </a:p>
@@ -2666,7 +2671,7 @@
           <a:p>
             <a:fld id="{211EAC0C-8E4E-1D4F-B66A-34559DB4BE7B}" type="datetimeFigureOut">
               <a:rPr lang="en-US" smtClean="0"/>
-              <a:t>11/26/19</a:t>
+              <a:t>12/18/19</a:t>
             </a:fld>
             <a:endParaRPr lang="en-US"/>
           </a:p>
@@ -2907,7 +2912,7 @@
           <a:p>
             <a:fld id="{211EAC0C-8E4E-1D4F-B66A-34559DB4BE7B}" type="datetimeFigureOut">
               <a:rPr lang="en-US" smtClean="0"/>
-              <a:t>11/26/19</a:t>
+              <a:t>12/18/19</a:t>
             </a:fld>
             <a:endParaRPr lang="en-US"/>
           </a:p>
@@ -3504,6 +3509,15 @@
               <a:t> will start the program upon bootup, which looks for motion through the PIR motion sensor, which then moves the servo a certain amount to allow a ball through when motion is detected, all after playing a little jingle for good luck. </a:t>
             </a:r>
           </a:p>
+          <a:p>
+            <a:pPr marL="0" indent="0">
+              <a:buNone/>
+            </a:pPr>
+            <a:r>
+              <a:rPr lang="en-US" dirty="0"/>
+              <a:t>*Note: Stereo Enclosed Speaker is replaced with buzzer in my PCB</a:t>
+            </a:r>
+          </a:p>
         </p:txBody>
       </p:sp>
     </p:spTree>
@@ -3909,7 +3923,7 @@
                   <a:schemeClr val="tx1"/>
                 </a:solidFill>
               </a:rPr>
-              <a:t>Stereo Enclosed Speaker</a:t>
+              <a:t>Buzzer</a:t>
             </a:r>
           </a:p>
         </p:txBody>
@@ -4448,49 +4462,6 @@
           </a:fontRef>
         </p:style>
       </p:cxnSp>
-      <p:cxnSp>
-        <p:nvCxnSpPr>
-          <p:cNvPr id="16" name="Straight Connector 15">
-            <a:extLst>
-              <a:ext uri="{FF2B5EF4-FFF2-40B4-BE49-F238E27FC236}">
-                <a16:creationId xmlns:a16="http://schemas.microsoft.com/office/drawing/2014/main" id="{A2EC0BDB-018B-8840-B03D-D1D30B22FD49}"/>
-              </a:ext>
-            </a:extLst>
-          </p:cNvPr>
-          <p:cNvCxnSpPr>
-            <a:cxnSpLocks/>
-          </p:cNvCxnSpPr>
-          <p:nvPr/>
-        </p:nvCxnSpPr>
-        <p:spPr>
-          <a:xfrm>
-            <a:off x="2438400" y="3902035"/>
-            <a:ext cx="3327350" cy="1341297"/>
-          </a:xfrm>
-          <a:prstGeom prst="line">
-            <a:avLst/>
-          </a:prstGeom>
-          <a:ln>
-            <a:solidFill>
-              <a:schemeClr val="tx1"/>
-            </a:solidFill>
-          </a:ln>
-        </p:spPr>
-        <p:style>
-          <a:lnRef idx="1">
-            <a:schemeClr val="dk1"/>
-          </a:lnRef>
-          <a:fillRef idx="0">
-            <a:schemeClr val="dk1"/>
-          </a:fillRef>
-          <a:effectRef idx="0">
-            <a:schemeClr val="dk1"/>
-          </a:effectRef>
-          <a:fontRef idx="minor">
-            <a:schemeClr val="tx1"/>
-          </a:fontRef>
-        </p:style>
-      </p:cxnSp>
       <p:sp>
         <p:nvSpPr>
           <p:cNvPr id="18" name="TextBox 17">
@@ -4505,8 +4476,8 @@
         </p:nvSpPr>
         <p:spPr>
           <a:xfrm>
-            <a:off x="913689" y="1624808"/>
-            <a:ext cx="1295115" cy="646331"/>
+            <a:off x="872028" y="1543732"/>
+            <a:ext cx="1473342" cy="923330"/>
           </a:xfrm>
           <a:prstGeom prst="rect">
             <a:avLst/>
@@ -4522,7 +4493,7 @@
             <a:pPr algn="ctr"/>
             <a:r>
               <a:rPr lang="en-US" dirty="0"/>
-              <a:t>Standard Servo</a:t>
+              <a:t>Standard Servo (to port on PCB)</a:t>
             </a:r>
           </a:p>
         </p:txBody>
@@ -4575,7 +4546,7 @@
                   <a:schemeClr val="tx1"/>
                 </a:solidFill>
               </a:rPr>
-              <a:t>PIR Motion Sensor</a:t>
+              <a:t>PIR Motion Sensor (to port on PCB)</a:t>
             </a:r>
           </a:p>
         </p:txBody>
@@ -4594,7 +4565,7 @@
         </p:nvSpPr>
         <p:spPr>
           <a:xfrm>
-            <a:off x="771398" y="3579098"/>
+            <a:off x="3519535" y="4843282"/>
             <a:ext cx="1600200" cy="800100"/>
           </a:xfrm>
           <a:prstGeom prst="roundRect">
@@ -4628,7 +4599,7 @@
                   <a:schemeClr val="tx1"/>
                 </a:solidFill>
               </a:rPr>
-              <a:t>Stereo Enclosed Speaker</a:t>
+              <a:t>Buzzer</a:t>
             </a:r>
           </a:p>
         </p:txBody>
